--- a/ppt 16-9/0917.重逢.pptx
+++ b/ppt 16-9/0917.重逢.pptx
@@ -5,7 +5,7 @@
     <p:sldMasterId id="2147483648" r:id="rId1"/>
   </p:sldMasterIdLst>
   <p:sldIdLst>
-    <p:sldId id="278" r:id="rId2"/>
+    <p:sldId id="279" r:id="rId2"/>
   </p:sldIdLst>
   <p:sldSz cx="12192000" cy="6858000"/>
   <p:notesSz cx="6858000" cy="9144000"/>
@@ -129,7 +129,7 @@
           <p:cNvPr id="2" name="标题 1">
             <a:extLst>
               <a:ext uri="{FF2B5EF4-FFF2-40B4-BE49-F238E27FC236}">
-                <a16:creationId xmlns:a16="http://schemas.microsoft.com/office/drawing/2014/main" id="{CDE6FA66-F9FA-4104-E83C-F61670C68296}"/>
+                <a16:creationId xmlns:a16="http://schemas.microsoft.com/office/drawing/2014/main" id="{02333455-8FFA-1E7B-5DCF-A53C11029DB7}"/>
               </a:ext>
             </a:extLst>
           </p:cNvPr>
@@ -166,7 +166,7 @@
           <p:cNvPr id="3" name="副标题 2">
             <a:extLst>
               <a:ext uri="{FF2B5EF4-FFF2-40B4-BE49-F238E27FC236}">
-                <a16:creationId xmlns:a16="http://schemas.microsoft.com/office/drawing/2014/main" id="{C24117CD-F847-3E3F-D588-3F6F21809458}"/>
+                <a16:creationId xmlns:a16="http://schemas.microsoft.com/office/drawing/2014/main" id="{0B3FDB31-9552-89F4-7EC7-109232745589}"/>
               </a:ext>
             </a:extLst>
           </p:cNvPr>
@@ -236,7 +236,7 @@
           <p:cNvPr id="4" name="日期占位符 3">
             <a:extLst>
               <a:ext uri="{FF2B5EF4-FFF2-40B4-BE49-F238E27FC236}">
-                <a16:creationId xmlns:a16="http://schemas.microsoft.com/office/drawing/2014/main" id="{50868BFE-C903-2B33-BA40-D30CF3B581BB}"/>
+                <a16:creationId xmlns:a16="http://schemas.microsoft.com/office/drawing/2014/main" id="{8C6DC291-6D41-35CF-8D5D-8D42BE96D004}"/>
               </a:ext>
             </a:extLst>
           </p:cNvPr>
@@ -252,7 +252,7 @@
           <a:bodyPr/>
           <a:lstStyle/>
           <a:p>
-            <a:fld id="{088FA588-690F-4BD4-B035-47A9DA3BFD26}" type="datetimeFigureOut">
+            <a:fld id="{4EBCF42B-444C-43BF-BA1F-460C25170E1C}" type="datetimeFigureOut">
               <a:rPr lang="zh-CN" altLang="en-US" smtClean="0"/>
               <a:t>2024/3/10</a:t>
             </a:fld>
@@ -265,7 +265,7 @@
           <p:cNvPr id="5" name="页脚占位符 4">
             <a:extLst>
               <a:ext uri="{FF2B5EF4-FFF2-40B4-BE49-F238E27FC236}">
-                <a16:creationId xmlns:a16="http://schemas.microsoft.com/office/drawing/2014/main" id="{755DEB18-4C61-EE20-8DB0-992F5A60F31C}"/>
+                <a16:creationId xmlns:a16="http://schemas.microsoft.com/office/drawing/2014/main" id="{950A1CF2-5A91-B970-6B6A-E5A8C8237196}"/>
               </a:ext>
             </a:extLst>
           </p:cNvPr>
@@ -290,7 +290,7 @@
           <p:cNvPr id="6" name="灯片编号占位符 5">
             <a:extLst>
               <a:ext uri="{FF2B5EF4-FFF2-40B4-BE49-F238E27FC236}">
-                <a16:creationId xmlns:a16="http://schemas.microsoft.com/office/drawing/2014/main" id="{513DB816-78E0-4ECB-8D38-A82141D5EF44}"/>
+                <a16:creationId xmlns:a16="http://schemas.microsoft.com/office/drawing/2014/main" id="{9450CE04-38C2-6B8D-8331-D93E4EE177E3}"/>
               </a:ext>
             </a:extLst>
           </p:cNvPr>
@@ -306,7 +306,7 @@
           <a:bodyPr/>
           <a:lstStyle/>
           <a:p>
-            <a:fld id="{A54123E9-D734-4809-B81B-47A81EB725A0}" type="slidenum">
+            <a:fld id="{FE4BD7A9-4619-4F70-8A80-177FC5D4FF1E}" type="slidenum">
               <a:rPr lang="zh-CN" altLang="en-US" smtClean="0"/>
               <a:t>‹#›</a:t>
             </a:fld>
@@ -317,7 +317,7 @@
     </p:spTree>
     <p:extLst>
       <p:ext uri="{BB962C8B-B14F-4D97-AF65-F5344CB8AC3E}">
-        <p14:creationId xmlns:p14="http://schemas.microsoft.com/office/powerpoint/2010/main" val="2073553867"/>
+        <p14:creationId xmlns:p14="http://schemas.microsoft.com/office/powerpoint/2010/main" val="3542327562"/>
       </p:ext>
     </p:extLst>
   </p:cSld>
@@ -349,7 +349,7 @@
           <p:cNvPr id="2" name="标题 1">
             <a:extLst>
               <a:ext uri="{FF2B5EF4-FFF2-40B4-BE49-F238E27FC236}">
-                <a16:creationId xmlns:a16="http://schemas.microsoft.com/office/drawing/2014/main" id="{CA90E411-13B7-E7F1-89E9-5FBC4348310C}"/>
+                <a16:creationId xmlns:a16="http://schemas.microsoft.com/office/drawing/2014/main" id="{440B848F-F658-4E35-8F59-53D879262327}"/>
               </a:ext>
             </a:extLst>
           </p:cNvPr>
@@ -377,7 +377,7 @@
           <p:cNvPr id="3" name="竖排文字占位符 2">
             <a:extLst>
               <a:ext uri="{FF2B5EF4-FFF2-40B4-BE49-F238E27FC236}">
-                <a16:creationId xmlns:a16="http://schemas.microsoft.com/office/drawing/2014/main" id="{DCC7013F-27F5-C98C-EA5D-6A52C2906C38}"/>
+                <a16:creationId xmlns:a16="http://schemas.microsoft.com/office/drawing/2014/main" id="{8E766365-CFCF-DC5B-5FEB-2C5B30E9EACA}"/>
               </a:ext>
             </a:extLst>
           </p:cNvPr>
@@ -434,7 +434,7 @@
           <p:cNvPr id="4" name="日期占位符 3">
             <a:extLst>
               <a:ext uri="{FF2B5EF4-FFF2-40B4-BE49-F238E27FC236}">
-                <a16:creationId xmlns:a16="http://schemas.microsoft.com/office/drawing/2014/main" id="{853F71B8-C000-E79B-2B04-0D50DAC88C62}"/>
+                <a16:creationId xmlns:a16="http://schemas.microsoft.com/office/drawing/2014/main" id="{603B7D17-504E-0E1E-4F3B-D3F6A1433C9D}"/>
               </a:ext>
             </a:extLst>
           </p:cNvPr>
@@ -450,7 +450,7 @@
           <a:bodyPr/>
           <a:lstStyle/>
           <a:p>
-            <a:fld id="{088FA588-690F-4BD4-B035-47A9DA3BFD26}" type="datetimeFigureOut">
+            <a:fld id="{4EBCF42B-444C-43BF-BA1F-460C25170E1C}" type="datetimeFigureOut">
               <a:rPr lang="zh-CN" altLang="en-US" smtClean="0"/>
               <a:t>2024/3/10</a:t>
             </a:fld>
@@ -463,7 +463,7 @@
           <p:cNvPr id="5" name="页脚占位符 4">
             <a:extLst>
               <a:ext uri="{FF2B5EF4-FFF2-40B4-BE49-F238E27FC236}">
-                <a16:creationId xmlns:a16="http://schemas.microsoft.com/office/drawing/2014/main" id="{50F97FDA-5F4B-68F0-F49F-8301871D42DC}"/>
+                <a16:creationId xmlns:a16="http://schemas.microsoft.com/office/drawing/2014/main" id="{3EFFFA67-4E1A-8FE1-1709-C80D3FE25F71}"/>
               </a:ext>
             </a:extLst>
           </p:cNvPr>
@@ -488,7 +488,7 @@
           <p:cNvPr id="6" name="灯片编号占位符 5">
             <a:extLst>
               <a:ext uri="{FF2B5EF4-FFF2-40B4-BE49-F238E27FC236}">
-                <a16:creationId xmlns:a16="http://schemas.microsoft.com/office/drawing/2014/main" id="{21EC18EE-88CD-47FA-653F-0C4898F3DACA}"/>
+                <a16:creationId xmlns:a16="http://schemas.microsoft.com/office/drawing/2014/main" id="{DED3567A-988C-9BED-446A-1A128F4FB9D1}"/>
               </a:ext>
             </a:extLst>
           </p:cNvPr>
@@ -504,7 +504,7 @@
           <a:bodyPr/>
           <a:lstStyle/>
           <a:p>
-            <a:fld id="{A54123E9-D734-4809-B81B-47A81EB725A0}" type="slidenum">
+            <a:fld id="{FE4BD7A9-4619-4F70-8A80-177FC5D4FF1E}" type="slidenum">
               <a:rPr lang="zh-CN" altLang="en-US" smtClean="0"/>
               <a:t>‹#›</a:t>
             </a:fld>
@@ -515,7 +515,7 @@
     </p:spTree>
     <p:extLst>
       <p:ext uri="{BB962C8B-B14F-4D97-AF65-F5344CB8AC3E}">
-        <p14:creationId xmlns:p14="http://schemas.microsoft.com/office/powerpoint/2010/main" val="3273654302"/>
+        <p14:creationId xmlns:p14="http://schemas.microsoft.com/office/powerpoint/2010/main" val="25676827"/>
       </p:ext>
     </p:extLst>
   </p:cSld>
@@ -547,7 +547,7 @@
           <p:cNvPr id="2" name="竖排标题 1">
             <a:extLst>
               <a:ext uri="{FF2B5EF4-FFF2-40B4-BE49-F238E27FC236}">
-                <a16:creationId xmlns:a16="http://schemas.microsoft.com/office/drawing/2014/main" id="{2F78366A-E3DF-E11E-FE6D-03403AD7145F}"/>
+                <a16:creationId xmlns:a16="http://schemas.microsoft.com/office/drawing/2014/main" id="{407E6877-DA4D-2572-FEDB-B94DE53DF42C}"/>
               </a:ext>
             </a:extLst>
           </p:cNvPr>
@@ -580,7 +580,7 @@
           <p:cNvPr id="3" name="竖排文字占位符 2">
             <a:extLst>
               <a:ext uri="{FF2B5EF4-FFF2-40B4-BE49-F238E27FC236}">
-                <a16:creationId xmlns:a16="http://schemas.microsoft.com/office/drawing/2014/main" id="{6E0B5C7D-4D49-7A34-8A10-0788AB57C973}"/>
+                <a16:creationId xmlns:a16="http://schemas.microsoft.com/office/drawing/2014/main" id="{303F131A-5674-2768-1936-A40E44D16781}"/>
               </a:ext>
             </a:extLst>
           </p:cNvPr>
@@ -642,7 +642,7 @@
           <p:cNvPr id="4" name="日期占位符 3">
             <a:extLst>
               <a:ext uri="{FF2B5EF4-FFF2-40B4-BE49-F238E27FC236}">
-                <a16:creationId xmlns:a16="http://schemas.microsoft.com/office/drawing/2014/main" id="{405F801C-39D2-7E3C-5305-B0D8C2FFB7FD}"/>
+                <a16:creationId xmlns:a16="http://schemas.microsoft.com/office/drawing/2014/main" id="{F5CA94FC-EA34-F17E-ED39-8C3F16B87F7A}"/>
               </a:ext>
             </a:extLst>
           </p:cNvPr>
@@ -658,7 +658,7 @@
           <a:bodyPr/>
           <a:lstStyle/>
           <a:p>
-            <a:fld id="{088FA588-690F-4BD4-B035-47A9DA3BFD26}" type="datetimeFigureOut">
+            <a:fld id="{4EBCF42B-444C-43BF-BA1F-460C25170E1C}" type="datetimeFigureOut">
               <a:rPr lang="zh-CN" altLang="en-US" smtClean="0"/>
               <a:t>2024/3/10</a:t>
             </a:fld>
@@ -671,7 +671,7 @@
           <p:cNvPr id="5" name="页脚占位符 4">
             <a:extLst>
               <a:ext uri="{FF2B5EF4-FFF2-40B4-BE49-F238E27FC236}">
-                <a16:creationId xmlns:a16="http://schemas.microsoft.com/office/drawing/2014/main" id="{46D82382-0528-B811-8ACB-26225F3D0CC5}"/>
+                <a16:creationId xmlns:a16="http://schemas.microsoft.com/office/drawing/2014/main" id="{DEA8C0FF-2C34-5C2F-EA9C-351AF707CC5F}"/>
               </a:ext>
             </a:extLst>
           </p:cNvPr>
@@ -696,7 +696,7 @@
           <p:cNvPr id="6" name="灯片编号占位符 5">
             <a:extLst>
               <a:ext uri="{FF2B5EF4-FFF2-40B4-BE49-F238E27FC236}">
-                <a16:creationId xmlns:a16="http://schemas.microsoft.com/office/drawing/2014/main" id="{EA334112-C88B-DC99-955D-607F65C57F93}"/>
+                <a16:creationId xmlns:a16="http://schemas.microsoft.com/office/drawing/2014/main" id="{24F73324-8C96-60F4-FE98-309F4B481659}"/>
               </a:ext>
             </a:extLst>
           </p:cNvPr>
@@ -712,7 +712,7 @@
           <a:bodyPr/>
           <a:lstStyle/>
           <a:p>
-            <a:fld id="{A54123E9-D734-4809-B81B-47A81EB725A0}" type="slidenum">
+            <a:fld id="{FE4BD7A9-4619-4F70-8A80-177FC5D4FF1E}" type="slidenum">
               <a:rPr lang="zh-CN" altLang="en-US" smtClean="0"/>
               <a:t>‹#›</a:t>
             </a:fld>
@@ -723,7 +723,7 @@
     </p:spTree>
     <p:extLst>
       <p:ext uri="{BB962C8B-B14F-4D97-AF65-F5344CB8AC3E}">
-        <p14:creationId xmlns:p14="http://schemas.microsoft.com/office/powerpoint/2010/main" val="1746193240"/>
+        <p14:creationId xmlns:p14="http://schemas.microsoft.com/office/powerpoint/2010/main" val="4093960810"/>
       </p:ext>
     </p:extLst>
   </p:cSld>
@@ -755,7 +755,7 @@
           <p:cNvPr id="2" name="标题 1">
             <a:extLst>
               <a:ext uri="{FF2B5EF4-FFF2-40B4-BE49-F238E27FC236}">
-                <a16:creationId xmlns:a16="http://schemas.microsoft.com/office/drawing/2014/main" id="{4F958065-3655-BA23-191B-F05247EA5F96}"/>
+                <a16:creationId xmlns:a16="http://schemas.microsoft.com/office/drawing/2014/main" id="{70F3BCC5-7218-4438-62E5-016DF27D1A54}"/>
               </a:ext>
             </a:extLst>
           </p:cNvPr>
@@ -783,7 +783,7 @@
           <p:cNvPr id="3" name="内容占位符 2">
             <a:extLst>
               <a:ext uri="{FF2B5EF4-FFF2-40B4-BE49-F238E27FC236}">
-                <a16:creationId xmlns:a16="http://schemas.microsoft.com/office/drawing/2014/main" id="{F7A08E5B-CE00-7EED-DAB3-AFA65964698C}"/>
+                <a16:creationId xmlns:a16="http://schemas.microsoft.com/office/drawing/2014/main" id="{699BAF07-04BB-8200-E8D8-0818B5C62D4F}"/>
               </a:ext>
             </a:extLst>
           </p:cNvPr>
@@ -840,7 +840,7 @@
           <p:cNvPr id="4" name="日期占位符 3">
             <a:extLst>
               <a:ext uri="{FF2B5EF4-FFF2-40B4-BE49-F238E27FC236}">
-                <a16:creationId xmlns:a16="http://schemas.microsoft.com/office/drawing/2014/main" id="{A57F9EB3-253C-60F8-13BE-B7DF28F63F4E}"/>
+                <a16:creationId xmlns:a16="http://schemas.microsoft.com/office/drawing/2014/main" id="{91A4F212-279C-DD87-1F11-C286E68E2063}"/>
               </a:ext>
             </a:extLst>
           </p:cNvPr>
@@ -856,7 +856,7 @@
           <a:bodyPr/>
           <a:lstStyle/>
           <a:p>
-            <a:fld id="{088FA588-690F-4BD4-B035-47A9DA3BFD26}" type="datetimeFigureOut">
+            <a:fld id="{4EBCF42B-444C-43BF-BA1F-460C25170E1C}" type="datetimeFigureOut">
               <a:rPr lang="zh-CN" altLang="en-US" smtClean="0"/>
               <a:t>2024/3/10</a:t>
             </a:fld>
@@ -869,7 +869,7 @@
           <p:cNvPr id="5" name="页脚占位符 4">
             <a:extLst>
               <a:ext uri="{FF2B5EF4-FFF2-40B4-BE49-F238E27FC236}">
-                <a16:creationId xmlns:a16="http://schemas.microsoft.com/office/drawing/2014/main" id="{83E8A869-84FE-5433-A139-D52C0A3F82CF}"/>
+                <a16:creationId xmlns:a16="http://schemas.microsoft.com/office/drawing/2014/main" id="{4A69D2FE-49F2-30A2-58FA-052B24FC7913}"/>
               </a:ext>
             </a:extLst>
           </p:cNvPr>
@@ -894,7 +894,7 @@
           <p:cNvPr id="6" name="灯片编号占位符 5">
             <a:extLst>
               <a:ext uri="{FF2B5EF4-FFF2-40B4-BE49-F238E27FC236}">
-                <a16:creationId xmlns:a16="http://schemas.microsoft.com/office/drawing/2014/main" id="{DFAD20CA-3303-779F-3B2D-B6EB201DFA8B}"/>
+                <a16:creationId xmlns:a16="http://schemas.microsoft.com/office/drawing/2014/main" id="{0C5C706E-9108-2F7C-B126-67F8EFA2E7CE}"/>
               </a:ext>
             </a:extLst>
           </p:cNvPr>
@@ -910,7 +910,7 @@
           <a:bodyPr/>
           <a:lstStyle/>
           <a:p>
-            <a:fld id="{A54123E9-D734-4809-B81B-47A81EB725A0}" type="slidenum">
+            <a:fld id="{FE4BD7A9-4619-4F70-8A80-177FC5D4FF1E}" type="slidenum">
               <a:rPr lang="zh-CN" altLang="en-US" smtClean="0"/>
               <a:t>‹#›</a:t>
             </a:fld>
@@ -921,7 +921,7 @@
     </p:spTree>
     <p:extLst>
       <p:ext uri="{BB962C8B-B14F-4D97-AF65-F5344CB8AC3E}">
-        <p14:creationId xmlns:p14="http://schemas.microsoft.com/office/powerpoint/2010/main" val="169270430"/>
+        <p14:creationId xmlns:p14="http://schemas.microsoft.com/office/powerpoint/2010/main" val="479824197"/>
       </p:ext>
     </p:extLst>
   </p:cSld>
@@ -953,7 +953,7 @@
           <p:cNvPr id="2" name="标题 1">
             <a:extLst>
               <a:ext uri="{FF2B5EF4-FFF2-40B4-BE49-F238E27FC236}">
-                <a16:creationId xmlns:a16="http://schemas.microsoft.com/office/drawing/2014/main" id="{8F5081D9-FAD5-2D41-C5E4-51FC8F87EFD3}"/>
+                <a16:creationId xmlns:a16="http://schemas.microsoft.com/office/drawing/2014/main" id="{FD6C3671-F28C-9559-AB9B-C7A9073FF2FB}"/>
               </a:ext>
             </a:extLst>
           </p:cNvPr>
@@ -990,7 +990,7 @@
           <p:cNvPr id="3" name="文本占位符 2">
             <a:extLst>
               <a:ext uri="{FF2B5EF4-FFF2-40B4-BE49-F238E27FC236}">
-                <a16:creationId xmlns:a16="http://schemas.microsoft.com/office/drawing/2014/main" id="{2053E35E-C641-F79F-A5B6-8D661C341CBE}"/>
+                <a16:creationId xmlns:a16="http://schemas.microsoft.com/office/drawing/2014/main" id="{49D79CE3-1635-79C4-9D15-CBCF425B6133}"/>
               </a:ext>
             </a:extLst>
           </p:cNvPr>
@@ -1115,7 +1115,7 @@
           <p:cNvPr id="4" name="日期占位符 3">
             <a:extLst>
               <a:ext uri="{FF2B5EF4-FFF2-40B4-BE49-F238E27FC236}">
-                <a16:creationId xmlns:a16="http://schemas.microsoft.com/office/drawing/2014/main" id="{D44EE6F3-2701-503F-85BA-1055389FF27F}"/>
+                <a16:creationId xmlns:a16="http://schemas.microsoft.com/office/drawing/2014/main" id="{495721C1-979A-1A86-3246-1BD10FCE41B4}"/>
               </a:ext>
             </a:extLst>
           </p:cNvPr>
@@ -1131,7 +1131,7 @@
           <a:bodyPr/>
           <a:lstStyle/>
           <a:p>
-            <a:fld id="{088FA588-690F-4BD4-B035-47A9DA3BFD26}" type="datetimeFigureOut">
+            <a:fld id="{4EBCF42B-444C-43BF-BA1F-460C25170E1C}" type="datetimeFigureOut">
               <a:rPr lang="zh-CN" altLang="en-US" smtClean="0"/>
               <a:t>2024/3/10</a:t>
             </a:fld>
@@ -1144,7 +1144,7 @@
           <p:cNvPr id="5" name="页脚占位符 4">
             <a:extLst>
               <a:ext uri="{FF2B5EF4-FFF2-40B4-BE49-F238E27FC236}">
-                <a16:creationId xmlns:a16="http://schemas.microsoft.com/office/drawing/2014/main" id="{259EF9DC-4C81-3B3C-862A-062268819F81}"/>
+                <a16:creationId xmlns:a16="http://schemas.microsoft.com/office/drawing/2014/main" id="{1456D866-E857-3272-3F42-F162ED1FA9B5}"/>
               </a:ext>
             </a:extLst>
           </p:cNvPr>
@@ -1169,7 +1169,7 @@
           <p:cNvPr id="6" name="灯片编号占位符 5">
             <a:extLst>
               <a:ext uri="{FF2B5EF4-FFF2-40B4-BE49-F238E27FC236}">
-                <a16:creationId xmlns:a16="http://schemas.microsoft.com/office/drawing/2014/main" id="{0C5D7202-3EE0-ED5B-64CC-8E9A71C92B21}"/>
+                <a16:creationId xmlns:a16="http://schemas.microsoft.com/office/drawing/2014/main" id="{415B2AFD-CB0D-DE74-F42D-74F38223E140}"/>
               </a:ext>
             </a:extLst>
           </p:cNvPr>
@@ -1185,7 +1185,7 @@
           <a:bodyPr/>
           <a:lstStyle/>
           <a:p>
-            <a:fld id="{A54123E9-D734-4809-B81B-47A81EB725A0}" type="slidenum">
+            <a:fld id="{FE4BD7A9-4619-4F70-8A80-177FC5D4FF1E}" type="slidenum">
               <a:rPr lang="zh-CN" altLang="en-US" smtClean="0"/>
               <a:t>‹#›</a:t>
             </a:fld>
@@ -1196,7 +1196,7 @@
     </p:spTree>
     <p:extLst>
       <p:ext uri="{BB962C8B-B14F-4D97-AF65-F5344CB8AC3E}">
-        <p14:creationId xmlns:p14="http://schemas.microsoft.com/office/powerpoint/2010/main" val="733781473"/>
+        <p14:creationId xmlns:p14="http://schemas.microsoft.com/office/powerpoint/2010/main" val="533532982"/>
       </p:ext>
     </p:extLst>
   </p:cSld>
@@ -1228,7 +1228,7 @@
           <p:cNvPr id="2" name="标题 1">
             <a:extLst>
               <a:ext uri="{FF2B5EF4-FFF2-40B4-BE49-F238E27FC236}">
-                <a16:creationId xmlns:a16="http://schemas.microsoft.com/office/drawing/2014/main" id="{83866045-D12E-6DE7-BB8C-1E9D35DD21AC}"/>
+                <a16:creationId xmlns:a16="http://schemas.microsoft.com/office/drawing/2014/main" id="{6B1577A2-9293-7571-0FC5-81562438C1E3}"/>
               </a:ext>
             </a:extLst>
           </p:cNvPr>
@@ -1256,7 +1256,7 @@
           <p:cNvPr id="3" name="内容占位符 2">
             <a:extLst>
               <a:ext uri="{FF2B5EF4-FFF2-40B4-BE49-F238E27FC236}">
-                <a16:creationId xmlns:a16="http://schemas.microsoft.com/office/drawing/2014/main" id="{406FEB32-CFDE-A550-2355-5EDB229A4B8C}"/>
+                <a16:creationId xmlns:a16="http://schemas.microsoft.com/office/drawing/2014/main" id="{906E5F6E-900C-3FCB-D7C5-C27C1D8A822B}"/>
               </a:ext>
             </a:extLst>
           </p:cNvPr>
@@ -1318,7 +1318,7 @@
           <p:cNvPr id="4" name="内容占位符 3">
             <a:extLst>
               <a:ext uri="{FF2B5EF4-FFF2-40B4-BE49-F238E27FC236}">
-                <a16:creationId xmlns:a16="http://schemas.microsoft.com/office/drawing/2014/main" id="{CBFEA2E8-6AE4-6728-574A-56D0B6FA2122}"/>
+                <a16:creationId xmlns:a16="http://schemas.microsoft.com/office/drawing/2014/main" id="{F0BBAF5C-8B27-793D-4DB2-32E998380DE8}"/>
               </a:ext>
             </a:extLst>
           </p:cNvPr>
@@ -1380,7 +1380,7 @@
           <p:cNvPr id="5" name="日期占位符 4">
             <a:extLst>
               <a:ext uri="{FF2B5EF4-FFF2-40B4-BE49-F238E27FC236}">
-                <a16:creationId xmlns:a16="http://schemas.microsoft.com/office/drawing/2014/main" id="{AB35C909-9671-7754-6D68-789AFD53F610}"/>
+                <a16:creationId xmlns:a16="http://schemas.microsoft.com/office/drawing/2014/main" id="{1568D812-EA60-5397-959B-7ADA8FD1AABC}"/>
               </a:ext>
             </a:extLst>
           </p:cNvPr>
@@ -1396,7 +1396,7 @@
           <a:bodyPr/>
           <a:lstStyle/>
           <a:p>
-            <a:fld id="{088FA588-690F-4BD4-B035-47A9DA3BFD26}" type="datetimeFigureOut">
+            <a:fld id="{4EBCF42B-444C-43BF-BA1F-460C25170E1C}" type="datetimeFigureOut">
               <a:rPr lang="zh-CN" altLang="en-US" smtClean="0"/>
               <a:t>2024/3/10</a:t>
             </a:fld>
@@ -1409,7 +1409,7 @@
           <p:cNvPr id="6" name="页脚占位符 5">
             <a:extLst>
               <a:ext uri="{FF2B5EF4-FFF2-40B4-BE49-F238E27FC236}">
-                <a16:creationId xmlns:a16="http://schemas.microsoft.com/office/drawing/2014/main" id="{939A97E1-281A-A5B5-E970-6B6BCBA564A9}"/>
+                <a16:creationId xmlns:a16="http://schemas.microsoft.com/office/drawing/2014/main" id="{9C8CADDC-A92D-A2EE-DC13-6EA8FD85D1BD}"/>
               </a:ext>
             </a:extLst>
           </p:cNvPr>
@@ -1434,7 +1434,7 @@
           <p:cNvPr id="7" name="灯片编号占位符 6">
             <a:extLst>
               <a:ext uri="{FF2B5EF4-FFF2-40B4-BE49-F238E27FC236}">
-                <a16:creationId xmlns:a16="http://schemas.microsoft.com/office/drawing/2014/main" id="{60D136D0-F23A-7773-4130-8DEBAF31B887}"/>
+                <a16:creationId xmlns:a16="http://schemas.microsoft.com/office/drawing/2014/main" id="{E21A87AC-8DBB-55DB-B985-D4F54DACE2FF}"/>
               </a:ext>
             </a:extLst>
           </p:cNvPr>
@@ -1450,7 +1450,7 @@
           <a:bodyPr/>
           <a:lstStyle/>
           <a:p>
-            <a:fld id="{A54123E9-D734-4809-B81B-47A81EB725A0}" type="slidenum">
+            <a:fld id="{FE4BD7A9-4619-4F70-8A80-177FC5D4FF1E}" type="slidenum">
               <a:rPr lang="zh-CN" altLang="en-US" smtClean="0"/>
               <a:t>‹#›</a:t>
             </a:fld>
@@ -1461,7 +1461,7 @@
     </p:spTree>
     <p:extLst>
       <p:ext uri="{BB962C8B-B14F-4D97-AF65-F5344CB8AC3E}">
-        <p14:creationId xmlns:p14="http://schemas.microsoft.com/office/powerpoint/2010/main" val="31087688"/>
+        <p14:creationId xmlns:p14="http://schemas.microsoft.com/office/powerpoint/2010/main" val="745132953"/>
       </p:ext>
     </p:extLst>
   </p:cSld>
@@ -1493,7 +1493,7 @@
           <p:cNvPr id="2" name="标题 1">
             <a:extLst>
               <a:ext uri="{FF2B5EF4-FFF2-40B4-BE49-F238E27FC236}">
-                <a16:creationId xmlns:a16="http://schemas.microsoft.com/office/drawing/2014/main" id="{BAC301D4-0640-A13D-9887-2DFF104762EC}"/>
+                <a16:creationId xmlns:a16="http://schemas.microsoft.com/office/drawing/2014/main" id="{C9BBF2FD-F8B2-87E9-EA40-8E4776C9DBC5}"/>
               </a:ext>
             </a:extLst>
           </p:cNvPr>
@@ -1526,7 +1526,7 @@
           <p:cNvPr id="3" name="文本占位符 2">
             <a:extLst>
               <a:ext uri="{FF2B5EF4-FFF2-40B4-BE49-F238E27FC236}">
-                <a16:creationId xmlns:a16="http://schemas.microsoft.com/office/drawing/2014/main" id="{A56C4A7A-9D4E-C6D9-9208-EB1711CB696D}"/>
+                <a16:creationId xmlns:a16="http://schemas.microsoft.com/office/drawing/2014/main" id="{AFE3292C-8D0D-7924-0053-2E3D1749D141}"/>
               </a:ext>
             </a:extLst>
           </p:cNvPr>
@@ -1597,7 +1597,7 @@
           <p:cNvPr id="4" name="内容占位符 3">
             <a:extLst>
               <a:ext uri="{FF2B5EF4-FFF2-40B4-BE49-F238E27FC236}">
-                <a16:creationId xmlns:a16="http://schemas.microsoft.com/office/drawing/2014/main" id="{4C7C8263-3DD4-B922-37DB-BDA54D8E26F9}"/>
+                <a16:creationId xmlns:a16="http://schemas.microsoft.com/office/drawing/2014/main" id="{00330BE2-54A3-99C6-138C-561A4F347585}"/>
               </a:ext>
             </a:extLst>
           </p:cNvPr>
@@ -1659,7 +1659,7 @@
           <p:cNvPr id="5" name="文本占位符 4">
             <a:extLst>
               <a:ext uri="{FF2B5EF4-FFF2-40B4-BE49-F238E27FC236}">
-                <a16:creationId xmlns:a16="http://schemas.microsoft.com/office/drawing/2014/main" id="{5EBFF2C4-D354-F8B5-D8FC-02BDC907E32A}"/>
+                <a16:creationId xmlns:a16="http://schemas.microsoft.com/office/drawing/2014/main" id="{BBEEA971-2E84-E413-9136-444C871F2169}"/>
               </a:ext>
             </a:extLst>
           </p:cNvPr>
@@ -1730,7 +1730,7 @@
           <p:cNvPr id="6" name="内容占位符 5">
             <a:extLst>
               <a:ext uri="{FF2B5EF4-FFF2-40B4-BE49-F238E27FC236}">
-                <a16:creationId xmlns:a16="http://schemas.microsoft.com/office/drawing/2014/main" id="{D34E1744-AD2D-D783-E63B-79B51826503F}"/>
+                <a16:creationId xmlns:a16="http://schemas.microsoft.com/office/drawing/2014/main" id="{A4565B25-8CC2-F599-5974-E3D6586608F8}"/>
               </a:ext>
             </a:extLst>
           </p:cNvPr>
@@ -1792,7 +1792,7 @@
           <p:cNvPr id="7" name="日期占位符 6">
             <a:extLst>
               <a:ext uri="{FF2B5EF4-FFF2-40B4-BE49-F238E27FC236}">
-                <a16:creationId xmlns:a16="http://schemas.microsoft.com/office/drawing/2014/main" id="{0BD3FBDF-1018-C3E8-4C48-63547207DF2E}"/>
+                <a16:creationId xmlns:a16="http://schemas.microsoft.com/office/drawing/2014/main" id="{4612857A-A944-0151-7EE9-12E69C13B940}"/>
               </a:ext>
             </a:extLst>
           </p:cNvPr>
@@ -1808,7 +1808,7 @@
           <a:bodyPr/>
           <a:lstStyle/>
           <a:p>
-            <a:fld id="{088FA588-690F-4BD4-B035-47A9DA3BFD26}" type="datetimeFigureOut">
+            <a:fld id="{4EBCF42B-444C-43BF-BA1F-460C25170E1C}" type="datetimeFigureOut">
               <a:rPr lang="zh-CN" altLang="en-US" smtClean="0"/>
               <a:t>2024/3/10</a:t>
             </a:fld>
@@ -1821,7 +1821,7 @@
           <p:cNvPr id="8" name="页脚占位符 7">
             <a:extLst>
               <a:ext uri="{FF2B5EF4-FFF2-40B4-BE49-F238E27FC236}">
-                <a16:creationId xmlns:a16="http://schemas.microsoft.com/office/drawing/2014/main" id="{6A19507A-FF7C-55F8-889D-3B20FEC3AE73}"/>
+                <a16:creationId xmlns:a16="http://schemas.microsoft.com/office/drawing/2014/main" id="{81045A7B-3D97-AD06-97FC-D5DBF7BF0908}"/>
               </a:ext>
             </a:extLst>
           </p:cNvPr>
@@ -1846,7 +1846,7 @@
           <p:cNvPr id="9" name="灯片编号占位符 8">
             <a:extLst>
               <a:ext uri="{FF2B5EF4-FFF2-40B4-BE49-F238E27FC236}">
-                <a16:creationId xmlns:a16="http://schemas.microsoft.com/office/drawing/2014/main" id="{D680BD40-208E-5C0E-793A-B6672450E6F4}"/>
+                <a16:creationId xmlns:a16="http://schemas.microsoft.com/office/drawing/2014/main" id="{BEC664D5-180D-EABC-B03A-462F7CA5CD01}"/>
               </a:ext>
             </a:extLst>
           </p:cNvPr>
@@ -1862,7 +1862,7 @@
           <a:bodyPr/>
           <a:lstStyle/>
           <a:p>
-            <a:fld id="{A54123E9-D734-4809-B81B-47A81EB725A0}" type="slidenum">
+            <a:fld id="{FE4BD7A9-4619-4F70-8A80-177FC5D4FF1E}" type="slidenum">
               <a:rPr lang="zh-CN" altLang="en-US" smtClean="0"/>
               <a:t>‹#›</a:t>
             </a:fld>
@@ -1873,7 +1873,7 @@
     </p:spTree>
     <p:extLst>
       <p:ext uri="{BB962C8B-B14F-4D97-AF65-F5344CB8AC3E}">
-        <p14:creationId xmlns:p14="http://schemas.microsoft.com/office/powerpoint/2010/main" val="59959251"/>
+        <p14:creationId xmlns:p14="http://schemas.microsoft.com/office/powerpoint/2010/main" val="3396356470"/>
       </p:ext>
     </p:extLst>
   </p:cSld>
@@ -1905,7 +1905,7 @@
           <p:cNvPr id="2" name="标题 1">
             <a:extLst>
               <a:ext uri="{FF2B5EF4-FFF2-40B4-BE49-F238E27FC236}">
-                <a16:creationId xmlns:a16="http://schemas.microsoft.com/office/drawing/2014/main" id="{D8D01B9C-254C-AB9F-A53D-0D53537B8146}"/>
+                <a16:creationId xmlns:a16="http://schemas.microsoft.com/office/drawing/2014/main" id="{8C6FACBD-6A48-E82A-2DEF-CCE7673E15AA}"/>
               </a:ext>
             </a:extLst>
           </p:cNvPr>
@@ -1933,7 +1933,7 @@
           <p:cNvPr id="3" name="日期占位符 2">
             <a:extLst>
               <a:ext uri="{FF2B5EF4-FFF2-40B4-BE49-F238E27FC236}">
-                <a16:creationId xmlns:a16="http://schemas.microsoft.com/office/drawing/2014/main" id="{BB675F58-943F-66DB-61DF-681AFDFD176D}"/>
+                <a16:creationId xmlns:a16="http://schemas.microsoft.com/office/drawing/2014/main" id="{50F44540-CD28-D9D3-92C7-6D23B41C3302}"/>
               </a:ext>
             </a:extLst>
           </p:cNvPr>
@@ -1949,7 +1949,7 @@
           <a:bodyPr/>
           <a:lstStyle/>
           <a:p>
-            <a:fld id="{088FA588-690F-4BD4-B035-47A9DA3BFD26}" type="datetimeFigureOut">
+            <a:fld id="{4EBCF42B-444C-43BF-BA1F-460C25170E1C}" type="datetimeFigureOut">
               <a:rPr lang="zh-CN" altLang="en-US" smtClean="0"/>
               <a:t>2024/3/10</a:t>
             </a:fld>
@@ -1962,7 +1962,7 @@
           <p:cNvPr id="4" name="页脚占位符 3">
             <a:extLst>
               <a:ext uri="{FF2B5EF4-FFF2-40B4-BE49-F238E27FC236}">
-                <a16:creationId xmlns:a16="http://schemas.microsoft.com/office/drawing/2014/main" id="{64A3D54D-40BE-914E-C9F5-445307EA1213}"/>
+                <a16:creationId xmlns:a16="http://schemas.microsoft.com/office/drawing/2014/main" id="{7C17354C-07C2-E22D-DFBE-5AC29447BC13}"/>
               </a:ext>
             </a:extLst>
           </p:cNvPr>
@@ -1987,7 +1987,7 @@
           <p:cNvPr id="5" name="灯片编号占位符 4">
             <a:extLst>
               <a:ext uri="{FF2B5EF4-FFF2-40B4-BE49-F238E27FC236}">
-                <a16:creationId xmlns:a16="http://schemas.microsoft.com/office/drawing/2014/main" id="{FA32937E-324D-3E74-EA36-F987F66288E0}"/>
+                <a16:creationId xmlns:a16="http://schemas.microsoft.com/office/drawing/2014/main" id="{EBCF1342-5994-FD54-AC03-AC4A80D2907E}"/>
               </a:ext>
             </a:extLst>
           </p:cNvPr>
@@ -2003,7 +2003,7 @@
           <a:bodyPr/>
           <a:lstStyle/>
           <a:p>
-            <a:fld id="{A54123E9-D734-4809-B81B-47A81EB725A0}" type="slidenum">
+            <a:fld id="{FE4BD7A9-4619-4F70-8A80-177FC5D4FF1E}" type="slidenum">
               <a:rPr lang="zh-CN" altLang="en-US" smtClean="0"/>
               <a:t>‹#›</a:t>
             </a:fld>
@@ -2014,7 +2014,7 @@
     </p:spTree>
     <p:extLst>
       <p:ext uri="{BB962C8B-B14F-4D97-AF65-F5344CB8AC3E}">
-        <p14:creationId xmlns:p14="http://schemas.microsoft.com/office/powerpoint/2010/main" val="1713776368"/>
+        <p14:creationId xmlns:p14="http://schemas.microsoft.com/office/powerpoint/2010/main" val="2797678776"/>
       </p:ext>
     </p:extLst>
   </p:cSld>
@@ -2046,7 +2046,7 @@
           <p:cNvPr id="2" name="日期占位符 1">
             <a:extLst>
               <a:ext uri="{FF2B5EF4-FFF2-40B4-BE49-F238E27FC236}">
-                <a16:creationId xmlns:a16="http://schemas.microsoft.com/office/drawing/2014/main" id="{629D8FA8-4BA4-C23B-E221-00E1DEB560B9}"/>
+                <a16:creationId xmlns:a16="http://schemas.microsoft.com/office/drawing/2014/main" id="{3B78CA68-3A99-5B5F-55BE-88213BB52AA1}"/>
               </a:ext>
             </a:extLst>
           </p:cNvPr>
@@ -2062,7 +2062,7 @@
           <a:bodyPr/>
           <a:lstStyle/>
           <a:p>
-            <a:fld id="{088FA588-690F-4BD4-B035-47A9DA3BFD26}" type="datetimeFigureOut">
+            <a:fld id="{4EBCF42B-444C-43BF-BA1F-460C25170E1C}" type="datetimeFigureOut">
               <a:rPr lang="zh-CN" altLang="en-US" smtClean="0"/>
               <a:t>2024/3/10</a:t>
             </a:fld>
@@ -2075,7 +2075,7 @@
           <p:cNvPr id="3" name="页脚占位符 2">
             <a:extLst>
               <a:ext uri="{FF2B5EF4-FFF2-40B4-BE49-F238E27FC236}">
-                <a16:creationId xmlns:a16="http://schemas.microsoft.com/office/drawing/2014/main" id="{C81AC9BF-AE5F-DF9D-99AA-D2F47FE415EE}"/>
+                <a16:creationId xmlns:a16="http://schemas.microsoft.com/office/drawing/2014/main" id="{71988233-B979-B03A-9B2C-B01DC8EC92F8}"/>
               </a:ext>
             </a:extLst>
           </p:cNvPr>
@@ -2100,7 +2100,7 @@
           <p:cNvPr id="4" name="灯片编号占位符 3">
             <a:extLst>
               <a:ext uri="{FF2B5EF4-FFF2-40B4-BE49-F238E27FC236}">
-                <a16:creationId xmlns:a16="http://schemas.microsoft.com/office/drawing/2014/main" id="{CF978155-2808-F866-4D89-DFAAFB67447E}"/>
+                <a16:creationId xmlns:a16="http://schemas.microsoft.com/office/drawing/2014/main" id="{65855422-D42E-32F0-1702-144742AFCF69}"/>
               </a:ext>
             </a:extLst>
           </p:cNvPr>
@@ -2116,7 +2116,7 @@
           <a:bodyPr/>
           <a:lstStyle/>
           <a:p>
-            <a:fld id="{A54123E9-D734-4809-B81B-47A81EB725A0}" type="slidenum">
+            <a:fld id="{FE4BD7A9-4619-4F70-8A80-177FC5D4FF1E}" type="slidenum">
               <a:rPr lang="zh-CN" altLang="en-US" smtClean="0"/>
               <a:t>‹#›</a:t>
             </a:fld>
@@ -2127,7 +2127,7 @@
     </p:spTree>
     <p:extLst>
       <p:ext uri="{BB962C8B-B14F-4D97-AF65-F5344CB8AC3E}">
-        <p14:creationId xmlns:p14="http://schemas.microsoft.com/office/powerpoint/2010/main" val="2302953942"/>
+        <p14:creationId xmlns:p14="http://schemas.microsoft.com/office/powerpoint/2010/main" val="2116981989"/>
       </p:ext>
     </p:extLst>
   </p:cSld>
@@ -2159,7 +2159,7 @@
           <p:cNvPr id="2" name="标题 1">
             <a:extLst>
               <a:ext uri="{FF2B5EF4-FFF2-40B4-BE49-F238E27FC236}">
-                <a16:creationId xmlns:a16="http://schemas.microsoft.com/office/drawing/2014/main" id="{33AF29D9-7F4D-278E-FCBF-013E198EF1F7}"/>
+                <a16:creationId xmlns:a16="http://schemas.microsoft.com/office/drawing/2014/main" id="{953FA3C9-5B63-C078-F22B-59BB3C7E391B}"/>
               </a:ext>
             </a:extLst>
           </p:cNvPr>
@@ -2196,7 +2196,7 @@
           <p:cNvPr id="3" name="内容占位符 2">
             <a:extLst>
               <a:ext uri="{FF2B5EF4-FFF2-40B4-BE49-F238E27FC236}">
-                <a16:creationId xmlns:a16="http://schemas.microsoft.com/office/drawing/2014/main" id="{493D6868-2D07-6B39-17E0-859C1D6136D6}"/>
+                <a16:creationId xmlns:a16="http://schemas.microsoft.com/office/drawing/2014/main" id="{1F48971F-C7FB-8ACF-CFB7-A06CE215D00F}"/>
               </a:ext>
             </a:extLst>
           </p:cNvPr>
@@ -2286,7 +2286,7 @@
           <p:cNvPr id="4" name="文本占位符 3">
             <a:extLst>
               <a:ext uri="{FF2B5EF4-FFF2-40B4-BE49-F238E27FC236}">
-                <a16:creationId xmlns:a16="http://schemas.microsoft.com/office/drawing/2014/main" id="{8B37815D-7EC8-E1B3-A057-83BE005B5E63}"/>
+                <a16:creationId xmlns:a16="http://schemas.microsoft.com/office/drawing/2014/main" id="{6603ECDA-E013-1D81-3D2B-173E001BED56}"/>
               </a:ext>
             </a:extLst>
           </p:cNvPr>
@@ -2357,7 +2357,7 @@
           <p:cNvPr id="5" name="日期占位符 4">
             <a:extLst>
               <a:ext uri="{FF2B5EF4-FFF2-40B4-BE49-F238E27FC236}">
-                <a16:creationId xmlns:a16="http://schemas.microsoft.com/office/drawing/2014/main" id="{3602F908-3CF0-5161-AD3C-0EAFBA22EA3E}"/>
+                <a16:creationId xmlns:a16="http://schemas.microsoft.com/office/drawing/2014/main" id="{58AF7E81-0171-6A97-1FAF-9EF54E687969}"/>
               </a:ext>
             </a:extLst>
           </p:cNvPr>
@@ -2373,7 +2373,7 @@
           <a:bodyPr/>
           <a:lstStyle/>
           <a:p>
-            <a:fld id="{088FA588-690F-4BD4-B035-47A9DA3BFD26}" type="datetimeFigureOut">
+            <a:fld id="{4EBCF42B-444C-43BF-BA1F-460C25170E1C}" type="datetimeFigureOut">
               <a:rPr lang="zh-CN" altLang="en-US" smtClean="0"/>
               <a:t>2024/3/10</a:t>
             </a:fld>
@@ -2386,7 +2386,7 @@
           <p:cNvPr id="6" name="页脚占位符 5">
             <a:extLst>
               <a:ext uri="{FF2B5EF4-FFF2-40B4-BE49-F238E27FC236}">
-                <a16:creationId xmlns:a16="http://schemas.microsoft.com/office/drawing/2014/main" id="{84C17758-7C9B-E831-5A19-B608BD0721F4}"/>
+                <a16:creationId xmlns:a16="http://schemas.microsoft.com/office/drawing/2014/main" id="{9F774E5E-9ED9-D164-569E-4BC1E8C24297}"/>
               </a:ext>
             </a:extLst>
           </p:cNvPr>
@@ -2411,7 +2411,7 @@
           <p:cNvPr id="7" name="灯片编号占位符 6">
             <a:extLst>
               <a:ext uri="{FF2B5EF4-FFF2-40B4-BE49-F238E27FC236}">
-                <a16:creationId xmlns:a16="http://schemas.microsoft.com/office/drawing/2014/main" id="{8EBA89A2-15B0-4D33-8C69-8E00CF080752}"/>
+                <a16:creationId xmlns:a16="http://schemas.microsoft.com/office/drawing/2014/main" id="{3F027F77-22E9-0DBB-43A2-47B636CA1AB7}"/>
               </a:ext>
             </a:extLst>
           </p:cNvPr>
@@ -2427,7 +2427,7 @@
           <a:bodyPr/>
           <a:lstStyle/>
           <a:p>
-            <a:fld id="{A54123E9-D734-4809-B81B-47A81EB725A0}" type="slidenum">
+            <a:fld id="{FE4BD7A9-4619-4F70-8A80-177FC5D4FF1E}" type="slidenum">
               <a:rPr lang="zh-CN" altLang="en-US" smtClean="0"/>
               <a:t>‹#›</a:t>
             </a:fld>
@@ -2438,7 +2438,7 @@
     </p:spTree>
     <p:extLst>
       <p:ext uri="{BB962C8B-B14F-4D97-AF65-F5344CB8AC3E}">
-        <p14:creationId xmlns:p14="http://schemas.microsoft.com/office/powerpoint/2010/main" val="3461832842"/>
+        <p14:creationId xmlns:p14="http://schemas.microsoft.com/office/powerpoint/2010/main" val="2399629482"/>
       </p:ext>
     </p:extLst>
   </p:cSld>
@@ -2470,7 +2470,7 @@
           <p:cNvPr id="2" name="标题 1">
             <a:extLst>
               <a:ext uri="{FF2B5EF4-FFF2-40B4-BE49-F238E27FC236}">
-                <a16:creationId xmlns:a16="http://schemas.microsoft.com/office/drawing/2014/main" id="{9E8955C7-5F0F-C9FC-743E-E97D6D54603A}"/>
+                <a16:creationId xmlns:a16="http://schemas.microsoft.com/office/drawing/2014/main" id="{31B6BEA1-102A-1A40-3F8B-03EE3A24DC1B}"/>
               </a:ext>
             </a:extLst>
           </p:cNvPr>
@@ -2507,7 +2507,7 @@
           <p:cNvPr id="3" name="图片占位符 2">
             <a:extLst>
               <a:ext uri="{FF2B5EF4-FFF2-40B4-BE49-F238E27FC236}">
-                <a16:creationId xmlns:a16="http://schemas.microsoft.com/office/drawing/2014/main" id="{022C0954-9C88-CBD0-05F8-7B605B536D9F}"/>
+                <a16:creationId xmlns:a16="http://schemas.microsoft.com/office/drawing/2014/main" id="{AE3572AF-0DAE-905F-BB93-AE57EDC8BB54}"/>
               </a:ext>
             </a:extLst>
           </p:cNvPr>
@@ -2574,7 +2574,7 @@
           <p:cNvPr id="4" name="文本占位符 3">
             <a:extLst>
               <a:ext uri="{FF2B5EF4-FFF2-40B4-BE49-F238E27FC236}">
-                <a16:creationId xmlns:a16="http://schemas.microsoft.com/office/drawing/2014/main" id="{F54F37A5-0AF1-CC10-106C-2C657741E878}"/>
+                <a16:creationId xmlns:a16="http://schemas.microsoft.com/office/drawing/2014/main" id="{0DDF27FB-B568-D3B3-2262-68C3BB2ABB9F}"/>
               </a:ext>
             </a:extLst>
           </p:cNvPr>
@@ -2645,7 +2645,7 @@
           <p:cNvPr id="5" name="日期占位符 4">
             <a:extLst>
               <a:ext uri="{FF2B5EF4-FFF2-40B4-BE49-F238E27FC236}">
-                <a16:creationId xmlns:a16="http://schemas.microsoft.com/office/drawing/2014/main" id="{44DD40CD-6719-4273-92ED-EA5EF2179831}"/>
+                <a16:creationId xmlns:a16="http://schemas.microsoft.com/office/drawing/2014/main" id="{6147FD57-F229-ADB1-C33A-BC9D4180DDA8}"/>
               </a:ext>
             </a:extLst>
           </p:cNvPr>
@@ -2661,7 +2661,7 @@
           <a:bodyPr/>
           <a:lstStyle/>
           <a:p>
-            <a:fld id="{088FA588-690F-4BD4-B035-47A9DA3BFD26}" type="datetimeFigureOut">
+            <a:fld id="{4EBCF42B-444C-43BF-BA1F-460C25170E1C}" type="datetimeFigureOut">
               <a:rPr lang="zh-CN" altLang="en-US" smtClean="0"/>
               <a:t>2024/3/10</a:t>
             </a:fld>
@@ -2674,7 +2674,7 @@
           <p:cNvPr id="6" name="页脚占位符 5">
             <a:extLst>
               <a:ext uri="{FF2B5EF4-FFF2-40B4-BE49-F238E27FC236}">
-                <a16:creationId xmlns:a16="http://schemas.microsoft.com/office/drawing/2014/main" id="{30AF597D-117C-AF78-23C7-56CB26C65132}"/>
+                <a16:creationId xmlns:a16="http://schemas.microsoft.com/office/drawing/2014/main" id="{2274E7BD-F90A-103E-213B-5A7E7DD83CF7}"/>
               </a:ext>
             </a:extLst>
           </p:cNvPr>
@@ -2699,7 +2699,7 @@
           <p:cNvPr id="7" name="灯片编号占位符 6">
             <a:extLst>
               <a:ext uri="{FF2B5EF4-FFF2-40B4-BE49-F238E27FC236}">
-                <a16:creationId xmlns:a16="http://schemas.microsoft.com/office/drawing/2014/main" id="{2553C2A0-4F4E-879D-8734-FAC6A550A873}"/>
+                <a16:creationId xmlns:a16="http://schemas.microsoft.com/office/drawing/2014/main" id="{64D157DB-CCBC-377F-B8F3-31E41B16D932}"/>
               </a:ext>
             </a:extLst>
           </p:cNvPr>
@@ -2715,7 +2715,7 @@
           <a:bodyPr/>
           <a:lstStyle/>
           <a:p>
-            <a:fld id="{A54123E9-D734-4809-B81B-47A81EB725A0}" type="slidenum">
+            <a:fld id="{FE4BD7A9-4619-4F70-8A80-177FC5D4FF1E}" type="slidenum">
               <a:rPr lang="zh-CN" altLang="en-US" smtClean="0"/>
               <a:t>‹#›</a:t>
             </a:fld>
@@ -2726,7 +2726,7 @@
     </p:spTree>
     <p:extLst>
       <p:ext uri="{BB962C8B-B14F-4D97-AF65-F5344CB8AC3E}">
-        <p14:creationId xmlns:p14="http://schemas.microsoft.com/office/powerpoint/2010/main" val="2150795791"/>
+        <p14:creationId xmlns:p14="http://schemas.microsoft.com/office/powerpoint/2010/main" val="2952444998"/>
       </p:ext>
     </p:extLst>
   </p:cSld>
@@ -2763,7 +2763,7 @@
           <p:cNvPr id="2" name="标题占位符 1">
             <a:extLst>
               <a:ext uri="{FF2B5EF4-FFF2-40B4-BE49-F238E27FC236}">
-                <a16:creationId xmlns:a16="http://schemas.microsoft.com/office/drawing/2014/main" id="{5FA4B7DD-A457-F0CF-E159-8A6B7C417895}"/>
+                <a16:creationId xmlns:a16="http://schemas.microsoft.com/office/drawing/2014/main" id="{0EFA4863-778C-C706-4455-E4F2D3DB4371}"/>
               </a:ext>
             </a:extLst>
           </p:cNvPr>
@@ -2801,7 +2801,7 @@
           <p:cNvPr id="3" name="文本占位符 2">
             <a:extLst>
               <a:ext uri="{FF2B5EF4-FFF2-40B4-BE49-F238E27FC236}">
-                <a16:creationId xmlns:a16="http://schemas.microsoft.com/office/drawing/2014/main" id="{8970780D-C420-8FD5-3C94-A08FE1309CB6}"/>
+                <a16:creationId xmlns:a16="http://schemas.microsoft.com/office/drawing/2014/main" id="{38702773-CC23-6792-73D2-487772B1938F}"/>
               </a:ext>
             </a:extLst>
           </p:cNvPr>
@@ -2868,7 +2868,7 @@
           <p:cNvPr id="4" name="日期占位符 3">
             <a:extLst>
               <a:ext uri="{FF2B5EF4-FFF2-40B4-BE49-F238E27FC236}">
-                <a16:creationId xmlns:a16="http://schemas.microsoft.com/office/drawing/2014/main" id="{B8499E7F-78DE-434A-7200-5D2D9A47B4A4}"/>
+                <a16:creationId xmlns:a16="http://schemas.microsoft.com/office/drawing/2014/main" id="{48805288-2B77-F30E-67FD-FE8E853E12B4}"/>
               </a:ext>
             </a:extLst>
           </p:cNvPr>
@@ -2902,7 +2902,7 @@
             </a:lvl1pPr>
           </a:lstStyle>
           <a:p>
-            <a:fld id="{088FA588-690F-4BD4-B035-47A9DA3BFD26}" type="datetimeFigureOut">
+            <a:fld id="{4EBCF42B-444C-43BF-BA1F-460C25170E1C}" type="datetimeFigureOut">
               <a:rPr lang="zh-CN" altLang="en-US" smtClean="0"/>
               <a:t>2024/3/10</a:t>
             </a:fld>
@@ -2915,7 +2915,7 @@
           <p:cNvPr id="5" name="页脚占位符 4">
             <a:extLst>
               <a:ext uri="{FF2B5EF4-FFF2-40B4-BE49-F238E27FC236}">
-                <a16:creationId xmlns:a16="http://schemas.microsoft.com/office/drawing/2014/main" id="{942C00AD-69A8-9778-9E23-EB1FC8BC4F4C}"/>
+                <a16:creationId xmlns:a16="http://schemas.microsoft.com/office/drawing/2014/main" id="{DB03E139-ED78-B471-748C-AA02FD3789F6}"/>
               </a:ext>
             </a:extLst>
           </p:cNvPr>
@@ -2958,7 +2958,7 @@
           <p:cNvPr id="6" name="灯片编号占位符 5">
             <a:extLst>
               <a:ext uri="{FF2B5EF4-FFF2-40B4-BE49-F238E27FC236}">
-                <a16:creationId xmlns:a16="http://schemas.microsoft.com/office/drawing/2014/main" id="{6BA1814A-5F93-79A5-4DAB-4225DAA87AA2}"/>
+                <a16:creationId xmlns:a16="http://schemas.microsoft.com/office/drawing/2014/main" id="{C77A1006-DC09-7482-C674-A8D23BC74D2E}"/>
               </a:ext>
             </a:extLst>
           </p:cNvPr>
@@ -2992,7 +2992,7 @@
             </a:lvl1pPr>
           </a:lstStyle>
           <a:p>
-            <a:fld id="{A54123E9-D734-4809-B81B-47A81EB725A0}" type="slidenum">
+            <a:fld id="{FE4BD7A9-4619-4F70-8A80-177FC5D4FF1E}" type="slidenum">
               <a:rPr lang="zh-CN" altLang="en-US" smtClean="0"/>
               <a:t>‹#›</a:t>
             </a:fld>
@@ -3003,7 +3003,7 @@
     </p:spTree>
     <p:extLst>
       <p:ext uri="{BB962C8B-B14F-4D97-AF65-F5344CB8AC3E}">
-        <p14:creationId xmlns:p14="http://schemas.microsoft.com/office/powerpoint/2010/main" val="2634939120"/>
+        <p14:creationId xmlns:p14="http://schemas.microsoft.com/office/powerpoint/2010/main" val="541042880"/>
       </p:ext>
     </p:extLst>
   </p:cSld>
@@ -3323,7 +3323,7 @@
       </p:grpSpPr>
       <p:pic>
         <p:nvPicPr>
-          <p:cNvPr id="939010" name="Picture 2" descr="916"/>
+          <p:cNvPr id="940034" name="Picture 2" descr="917"/>
           <p:cNvPicPr>
             <a:picLocks noChangeAspect="1" noChangeArrowheads="1"/>
           </p:cNvPicPr>
@@ -3344,8 +3344,8 @@
         </p:blipFill>
         <p:spPr bwMode="auto">
           <a:xfrm>
-            <a:off x="1524000" y="14288"/>
-            <a:ext cx="9124950" cy="6843712"/>
+            <a:off x="1543050" y="1"/>
+            <a:ext cx="9124950" cy="6843713"/>
           </a:xfrm>
           <a:prstGeom prst="rect">
             <a:avLst/>
@@ -3375,11 +3375,158 @@
           </a:extLst>
         </p:spPr>
       </p:pic>
+      <p:pic>
+        <p:nvPicPr>
+          <p:cNvPr id="941059" name="Picture 3" descr="917-2"/>
+          <p:cNvPicPr>
+            <a:picLocks noChangeAspect="1" noChangeArrowheads="1"/>
+          </p:cNvPicPr>
+          <p:nvPr/>
+        </p:nvPicPr>
+        <p:blipFill>
+          <a:blip r:embed="rId3">
+            <a:extLst>
+              <a:ext uri="{28A0092B-C50C-407E-A947-70E740481C1C}">
+                <a14:useLocalDpi xmlns:a14="http://schemas.microsoft.com/office/drawing/2010/main" val="0"/>
+              </a:ext>
+            </a:extLst>
+          </a:blip>
+          <a:srcRect/>
+          <a:stretch>
+            <a:fillRect/>
+          </a:stretch>
+        </p:blipFill>
+        <p:spPr bwMode="auto">
+          <a:xfrm>
+            <a:off x="1543050" y="14288"/>
+            <a:ext cx="9124950" cy="6843712"/>
+          </a:xfrm>
+          <a:prstGeom prst="rect">
+            <a:avLst/>
+          </a:prstGeom>
+          <a:noFill/>
+          <a:ln>
+            <a:noFill/>
+          </a:ln>
+          <a:effectLst/>
+          <a:extLst>
+            <a:ext uri="{909E8E84-426E-40DD-AFC4-6F175D3DCCD1}">
+              <a14:hiddenFill xmlns:a14="http://schemas.microsoft.com/office/drawing/2010/main">
+                <a:solidFill>
+                  <a:srgbClr val="FFFFFF"/>
+                </a:solidFill>
+              </a14:hiddenFill>
+            </a:ext>
+            <a:ext uri="{91240B29-F687-4F45-9708-019B960494DF}">
+              <a14:hiddenLine xmlns:a14="http://schemas.microsoft.com/office/drawing/2010/main" w="9525">
+                <a:solidFill>
+                  <a:srgbClr val="000000"/>
+                </a:solidFill>
+                <a:miter lim="800000"/>
+                <a:headEnd/>
+                <a:tailEnd/>
+              </a14:hiddenLine>
+            </a:ext>
+            <a:ext uri="{AF507438-7753-43E0-B8FC-AC1667EBCBE1}">
+              <a14:hiddenEffects xmlns:a14="http://schemas.microsoft.com/office/drawing/2010/main">
+                <a:effectLst>
+                  <a:outerShdw dist="35921" dir="2700000" algn="ctr" rotWithShape="0">
+                    <a:srgbClr val="808080"/>
+                  </a:outerShdw>
+                </a:effectLst>
+              </a14:hiddenEffects>
+            </a:ext>
+          </a:extLst>
+        </p:spPr>
+      </p:pic>
     </p:spTree>
   </p:cSld>
   <p:clrMapOvr>
     <a:masterClrMapping/>
   </p:clrMapOvr>
+  <p:timing>
+    <p:tnLst>
+      <p:par>
+        <p:cTn id="1" dur="indefinite" restart="never" nodeType="tmRoot">
+          <p:childTnLst>
+            <p:seq concurrent="1" nextAc="seek">
+              <p:cTn id="2" dur="indefinite" nodeType="mainSeq">
+                <p:childTnLst>
+                  <p:par>
+                    <p:cTn id="3" fill="hold" nodeType="clickPar">
+                      <p:stCondLst>
+                        <p:cond delay="indefinite"/>
+                      </p:stCondLst>
+                      <p:childTnLst>
+                        <p:par>
+                          <p:cTn id="4" fill="hold" nodeType="withGroup">
+                            <p:stCondLst>
+                              <p:cond delay="0"/>
+                            </p:stCondLst>
+                            <p:childTnLst>
+                              <p:par>
+                                <p:cTn id="5" presetID="10" presetClass="entr" presetSubtype="0" fill="hold" nodeType="clickEffect">
+                                  <p:stCondLst>
+                                    <p:cond delay="0"/>
+                                  </p:stCondLst>
+                                  <p:childTnLst>
+                                    <p:set>
+                                      <p:cBhvr>
+                                        <p:cTn id="6" dur="1" fill="hold">
+                                          <p:stCondLst>
+                                            <p:cond delay="0"/>
+                                          </p:stCondLst>
+                                        </p:cTn>
+                                        <p:tgtEl>
+                                          <p:spTgt spid="941059"/>
+                                        </p:tgtEl>
+                                        <p:attrNameLst>
+                                          <p:attrName>style.visibility</p:attrName>
+                                        </p:attrNameLst>
+                                      </p:cBhvr>
+                                      <p:to>
+                                        <p:strVal val="visible"/>
+                                      </p:to>
+                                    </p:set>
+                                    <p:animEffect transition="in" filter="fade">
+                                      <p:cBhvr>
+                                        <p:cTn id="7" dur="500"/>
+                                        <p:tgtEl>
+                                          <p:spTgt spid="941059"/>
+                                        </p:tgtEl>
+                                      </p:cBhvr>
+                                    </p:animEffect>
+                                  </p:childTnLst>
+                                </p:cTn>
+                              </p:par>
+                            </p:childTnLst>
+                          </p:cTn>
+                        </p:par>
+                      </p:childTnLst>
+                    </p:cTn>
+                  </p:par>
+                </p:childTnLst>
+              </p:cTn>
+              <p:prevCondLst>
+                <p:cond evt="onPrev" delay="0">
+                  <p:tgtEl>
+                    <p:sldTgt/>
+                  </p:tgtEl>
+                </p:cond>
+              </p:prevCondLst>
+              <p:nextCondLst>
+                <p:cond evt="onNext" delay="0">
+                  <p:tgtEl>
+                    <p:sldTgt/>
+                  </p:tgtEl>
+                </p:cond>
+              </p:nextCondLst>
+            </p:seq>
+          </p:childTnLst>
+        </p:cTn>
+      </p:par>
+    </p:tnLst>
+  </p:timing>
 </p:sld>
 </file>
 
